--- a/AGILE SOFTWARE PROCESSES.pptx
+++ b/AGILE SOFTWARE PROCESSES.pptx
@@ -8,7 +8,8 @@
     <p:sldId id="256" r:id="rId2"/>
     <p:sldId id="257" r:id="rId3"/>
     <p:sldId id="259" r:id="rId4"/>
-    <p:sldId id="258" r:id="rId5"/>
+    <p:sldId id="260" r:id="rId5"/>
+    <p:sldId id="258" r:id="rId6"/>
   </p:sldIdLst>
   <p:sldSz cx="12192000" cy="6858000"/>
   <p:notesSz cx="6858000" cy="9144000"/>
@@ -447,7 +448,7 @@
             <a:fld id="{B61BEF0D-F0BB-DE4B-95CE-6DB70DBA9567}" type="datetimeFigureOut">
               <a:rPr lang="en-US" dirty="0"/>
               <a:pPr/>
-              <a:t>2/16/2022</a:t>
+              <a:t>2/17/2022</a:t>
             </a:fld>
             <a:endParaRPr lang="en-US" dirty="0"/>
           </a:p>
@@ -768,7 +769,7 @@
             <a:fld id="{B61BEF0D-F0BB-DE4B-95CE-6DB70DBA9567}" type="datetimeFigureOut">
               <a:rPr lang="en-US" dirty="0"/>
               <a:pPr/>
-              <a:t>2/16/2022</a:t>
+              <a:t>2/17/2022</a:t>
             </a:fld>
             <a:endParaRPr lang="en-US" dirty="0"/>
           </a:p>
@@ -1013,7 +1014,7 @@
             <a:fld id="{B61BEF0D-F0BB-DE4B-95CE-6DB70DBA9567}" type="datetimeFigureOut">
               <a:rPr lang="en-US" dirty="0"/>
               <a:pPr/>
-              <a:t>2/16/2022</a:t>
+              <a:t>2/17/2022</a:t>
             </a:fld>
             <a:endParaRPr lang="en-US" dirty="0"/>
           </a:p>
@@ -1349,7 +1350,7 @@
             <a:fld id="{B61BEF0D-F0BB-DE4B-95CE-6DB70DBA9567}" type="datetimeFigureOut">
               <a:rPr lang="en-US" dirty="0"/>
               <a:pPr/>
-              <a:t>2/16/2022</a:t>
+              <a:t>2/17/2022</a:t>
             </a:fld>
             <a:endParaRPr lang="en-US" dirty="0"/>
           </a:p>
@@ -1693,7 +1694,7 @@
             <a:fld id="{B61BEF0D-F0BB-DE4B-95CE-6DB70DBA9567}" type="datetimeFigureOut">
               <a:rPr lang="en-US" dirty="0"/>
               <a:pPr/>
-              <a:t>2/16/2022</a:t>
+              <a:t>2/17/2022</a:t>
             </a:fld>
             <a:endParaRPr lang="en-US" dirty="0"/>
           </a:p>
@@ -2064,7 +2065,7 @@
             <a:fld id="{B61BEF0D-F0BB-DE4B-95CE-6DB70DBA9567}" type="datetimeFigureOut">
               <a:rPr lang="en-US" dirty="0"/>
               <a:pPr/>
-              <a:t>2/16/2022</a:t>
+              <a:t>2/17/2022</a:t>
             </a:fld>
             <a:endParaRPr lang="en-US" dirty="0"/>
           </a:p>
@@ -2531,7 +2532,7 @@
             <a:fld id="{B61BEF0D-F0BB-DE4B-95CE-6DB70DBA9567}" type="datetimeFigureOut">
               <a:rPr lang="en-US" dirty="0"/>
               <a:pPr/>
-              <a:t>2/16/2022</a:t>
+              <a:t>2/17/2022</a:t>
             </a:fld>
             <a:endParaRPr lang="en-US" dirty="0"/>
           </a:p>
@@ -2733,7 +2734,7 @@
             <a:fld id="{B61BEF0D-F0BB-DE4B-95CE-6DB70DBA9567}" type="datetimeFigureOut">
               <a:rPr lang="en-US" dirty="0"/>
               <a:pPr/>
-              <a:t>2/16/2022</a:t>
+              <a:t>2/17/2022</a:t>
             </a:fld>
             <a:endParaRPr lang="en-US" dirty="0"/>
           </a:p>
@@ -2941,7 +2942,7 @@
             <a:fld id="{B61BEF0D-F0BB-DE4B-95CE-6DB70DBA9567}" type="datetimeFigureOut">
               <a:rPr lang="en-US" dirty="0"/>
               <a:pPr/>
-              <a:t>2/16/2022</a:t>
+              <a:t>2/17/2022</a:t>
             </a:fld>
             <a:endParaRPr lang="en-US" dirty="0"/>
           </a:p>
@@ -3169,7 +3170,7 @@
           <a:p>
             <a:fld id="{52647F38-B617-4D2F-AE0A-013F0C4D2C57}" type="datetimeFigureOut">
               <a:rPr lang="en-US" dirty="0"/>
-              <a:t>2/16/2022</a:t>
+              <a:t>2/17/2022</a:t>
             </a:fld>
             <a:endParaRPr lang="en-US" dirty="0"/>
           </a:p>
@@ -3413,7 +3414,7 @@
             <a:fld id="{B61BEF0D-F0BB-DE4B-95CE-6DB70DBA9567}" type="datetimeFigureOut">
               <a:rPr lang="en-US" dirty="0"/>
               <a:pPr/>
-              <a:t>2/16/2022</a:t>
+              <a:t>2/17/2022</a:t>
             </a:fld>
             <a:endParaRPr lang="en-US" dirty="0"/>
           </a:p>
@@ -3707,7 +3708,7 @@
           <a:p>
             <a:fld id="{05BFA754-D5C3-4E66-96A6-867B257F58DC}" type="datetimeFigureOut">
               <a:rPr lang="en-US" dirty="0"/>
-              <a:t>2/16/2022</a:t>
+              <a:t>2/17/2022</a:t>
             </a:fld>
             <a:endParaRPr lang="en-US" dirty="0"/>
           </a:p>
@@ -4097,7 +4098,7 @@
             <a:fld id="{B61BEF0D-F0BB-DE4B-95CE-6DB70DBA9567}" type="datetimeFigureOut">
               <a:rPr lang="en-US" dirty="0"/>
               <a:pPr/>
-              <a:t>2/16/2022</a:t>
+              <a:t>2/17/2022</a:t>
             </a:fld>
             <a:endParaRPr lang="en-US" dirty="0"/>
           </a:p>
@@ -4243,7 +4244,7 @@
             <a:fld id="{B61BEF0D-F0BB-DE4B-95CE-6DB70DBA9567}" type="datetimeFigureOut">
               <a:rPr lang="en-US" dirty="0"/>
               <a:pPr/>
-              <a:t>2/16/2022</a:t>
+              <a:t>2/17/2022</a:t>
             </a:fld>
             <a:endParaRPr lang="en-US" dirty="0"/>
           </a:p>
@@ -4366,7 +4367,7 @@
             <a:fld id="{B61BEF0D-F0BB-DE4B-95CE-6DB70DBA9567}" type="datetimeFigureOut">
               <a:rPr lang="en-US" dirty="0"/>
               <a:pPr/>
-              <a:t>2/16/2022</a:t>
+              <a:t>2/17/2022</a:t>
             </a:fld>
             <a:endParaRPr lang="en-US" dirty="0"/>
           </a:p>
@@ -4618,7 +4619,7 @@
             <a:fld id="{B61BEF0D-F0BB-DE4B-95CE-6DB70DBA9567}" type="datetimeFigureOut">
               <a:rPr lang="en-US" dirty="0"/>
               <a:pPr/>
-              <a:t>2/16/2022</a:t>
+              <a:t>2/17/2022</a:t>
             </a:fld>
             <a:endParaRPr lang="en-US" dirty="0"/>
           </a:p>
@@ -4930,7 +4931,7 @@
             <a:fld id="{B61BEF0D-F0BB-DE4B-95CE-6DB70DBA9567}" type="datetimeFigureOut">
               <a:rPr lang="en-US" dirty="0"/>
               <a:pPr/>
-              <a:t>2/16/2022</a:t>
+              <a:t>2/17/2022</a:t>
             </a:fld>
             <a:endParaRPr lang="en-US" dirty="0"/>
           </a:p>
@@ -5278,7 +5279,7 @@
             <a:fld id="{B61BEF0D-F0BB-DE4B-95CE-6DB70DBA9567}" type="datetimeFigureOut">
               <a:rPr lang="en-US" dirty="0"/>
               <a:pPr/>
-              <a:t>2/16/2022</a:t>
+              <a:t>2/17/2022</a:t>
             </a:fld>
             <a:endParaRPr lang="en-US" dirty="0"/>
           </a:p>
@@ -7020,10 +7021,22 @@
           <a:lstStyle/>
           <a:p>
             <a:r>
-              <a:rPr lang="en-US" dirty="0" smtClean="0"/>
+              <a:rPr lang="en-US" b="1" dirty="0" smtClean="0">
+                <a:solidFill>
+                  <a:schemeClr val="accent4">
+                    <a:lumMod val="75000"/>
+                  </a:schemeClr>
+                </a:solidFill>
+              </a:rPr>
               <a:t>Assumptions &amp; Estimates </a:t>
             </a:r>
-            <a:endParaRPr lang="en-US" dirty="0"/>
+            <a:endParaRPr lang="en-US" b="1" dirty="0">
+              <a:solidFill>
+                <a:schemeClr val="accent4">
+                  <a:lumMod val="75000"/>
+                </a:schemeClr>
+              </a:solidFill>
+            </a:endParaRPr>
           </a:p>
         </p:txBody>
       </p:sp>
@@ -7039,7 +7052,9 @@
         </p:nvSpPr>
         <p:spPr/>
         <p:txBody>
-          <a:bodyPr/>
+          <a:bodyPr>
+            <a:normAutofit/>
+          </a:bodyPr>
           <a:lstStyle/>
           <a:p>
             <a:pPr marL="457200" indent="-457200">
@@ -7047,7 +7062,15 @@
               <a:buAutoNum type="arabicPeriod"/>
             </a:pPr>
             <a:r>
-              <a:rPr lang="en-US" dirty="0" smtClean="0"/>
+              <a:rPr lang="en-US" sz="1900" dirty="0" smtClean="0">
+                <a:solidFill>
+                  <a:schemeClr val="accent4">
+                    <a:lumMod val="75000"/>
+                  </a:schemeClr>
+                </a:solidFill>
+                <a:latin typeface="Arial" panose="020B0604020202020204" pitchFamily="34" charset="0"/>
+                <a:cs typeface="Arial" panose="020B0604020202020204" pitchFamily="34" charset="0"/>
+              </a:rPr>
               <a:t>Infrastructure setup in beginning of sprint </a:t>
             </a:r>
           </a:p>
@@ -7057,7 +7080,15 @@
               <a:buAutoNum type="arabicPeriod"/>
             </a:pPr>
             <a:r>
-              <a:rPr lang="en-US" dirty="0" smtClean="0"/>
+              <a:rPr lang="en-US" sz="1900" dirty="0" smtClean="0">
+                <a:solidFill>
+                  <a:schemeClr val="accent4">
+                    <a:lumMod val="75000"/>
+                  </a:schemeClr>
+                </a:solidFill>
+                <a:latin typeface="Arial" panose="020B0604020202020204" pitchFamily="34" charset="0"/>
+                <a:cs typeface="Arial" panose="020B0604020202020204" pitchFamily="34" charset="0"/>
+              </a:rPr>
               <a:t>Dev deployments every sprint , QA/UAT deployment in consecutive sprint </a:t>
             </a:r>
           </a:p>
@@ -7067,7 +7098,15 @@
               <a:buAutoNum type="arabicPeriod"/>
             </a:pPr>
             <a:r>
-              <a:rPr lang="en-US" dirty="0" smtClean="0"/>
+              <a:rPr lang="en-US" sz="1900" dirty="0" smtClean="0">
+                <a:solidFill>
+                  <a:schemeClr val="accent4">
+                    <a:lumMod val="75000"/>
+                  </a:schemeClr>
+                </a:solidFill>
+                <a:latin typeface="Arial" panose="020B0604020202020204" pitchFamily="34" charset="0"/>
+                <a:cs typeface="Arial" panose="020B0604020202020204" pitchFamily="34" charset="0"/>
+              </a:rPr>
               <a:t>SMS functionality third party integration </a:t>
             </a:r>
           </a:p>
@@ -7092,16 +7131,174 @@
         </p:nvSpPr>
         <p:spPr/>
         <p:txBody>
-          <a:bodyPr/>
+          <a:bodyPr>
+            <a:normAutofit/>
+          </a:bodyPr>
           <a:lstStyle/>
           <a:p>
             <a:r>
-              <a:rPr lang="en-US" dirty="0"/>
-              <a:t>4 Sprint capacity = 4*84= 336 points</a:t>
-            </a:r>
-          </a:p>
-          <a:p>
-            <a:endParaRPr lang="en-US" dirty="0"/>
+              <a:rPr lang="en-US" sz="2000" dirty="0">
+                <a:solidFill>
+                  <a:schemeClr val="accent4">
+                    <a:lumMod val="75000"/>
+                  </a:schemeClr>
+                </a:solidFill>
+                <a:latin typeface="Arial" panose="020B0604020202020204" pitchFamily="34" charset="0"/>
+                <a:cs typeface="Arial" panose="020B0604020202020204" pitchFamily="34" charset="0"/>
+              </a:rPr>
+              <a:t>4 Sprint capacity = 4*84= 336 </a:t>
+            </a:r>
+            <a:r>
+              <a:rPr lang="en-US" sz="2000" dirty="0" smtClean="0">
+                <a:solidFill>
+                  <a:schemeClr val="accent4">
+                    <a:lumMod val="75000"/>
+                  </a:schemeClr>
+                </a:solidFill>
+                <a:latin typeface="Arial" panose="020B0604020202020204" pitchFamily="34" charset="0"/>
+                <a:cs typeface="Arial" panose="020B0604020202020204" pitchFamily="34" charset="0"/>
+              </a:rPr>
+              <a:t>points</a:t>
+            </a:r>
+          </a:p>
+          <a:p>
+            <a:r>
+              <a:rPr lang="en-US" sz="2000" dirty="0">
+                <a:solidFill>
+                  <a:schemeClr val="accent4">
+                    <a:lumMod val="75000"/>
+                  </a:schemeClr>
+                </a:solidFill>
+                <a:latin typeface="Arial" panose="020B0604020202020204" pitchFamily="34" charset="0"/>
+                <a:cs typeface="Arial" panose="020B0604020202020204" pitchFamily="34" charset="0"/>
+              </a:rPr>
+              <a:t>4 sprint backlog Total weeks - 3*4= 12 weeks</a:t>
+            </a:r>
+            <a:r>
+              <a:rPr lang="en-US" sz="2000" dirty="0">
+                <a:solidFill>
+                  <a:schemeClr val="accent4">
+                    <a:lumMod val="75000"/>
+                  </a:schemeClr>
+                </a:solidFill>
+                <a:latin typeface="Arial" panose="020B0604020202020204" pitchFamily="34" charset="0"/>
+                <a:cs typeface="Arial" panose="020B0604020202020204" pitchFamily="34" charset="0"/>
+              </a:rPr>
+              <a:t/>
+            </a:r>
+            <a:br>
+              <a:rPr lang="en-US" sz="2000" dirty="0">
+                <a:solidFill>
+                  <a:schemeClr val="accent4">
+                    <a:lumMod val="75000"/>
+                  </a:schemeClr>
+                </a:solidFill>
+                <a:latin typeface="Arial" panose="020B0604020202020204" pitchFamily="34" charset="0"/>
+                <a:cs typeface="Arial" panose="020B0604020202020204" pitchFamily="34" charset="0"/>
+              </a:rPr>
+            </a:br>
+            <a:r>
+              <a:rPr lang="en-US" sz="2000" dirty="0">
+                <a:solidFill>
+                  <a:schemeClr val="accent4">
+                    <a:lumMod val="75000"/>
+                  </a:schemeClr>
+                </a:solidFill>
+                <a:latin typeface="Arial" panose="020B0604020202020204" pitchFamily="34" charset="0"/>
+                <a:cs typeface="Arial" panose="020B0604020202020204" pitchFamily="34" charset="0"/>
+              </a:rPr>
+              <a:t>1 sprint duration -&gt; 3 weeks Team Capacity of 1 sprint= 12*7= 84 points</a:t>
+            </a:r>
+            <a:r>
+              <a:rPr lang="en-US" sz="2000" dirty="0">
+                <a:solidFill>
+                  <a:schemeClr val="accent4">
+                    <a:lumMod val="75000"/>
+                  </a:schemeClr>
+                </a:solidFill>
+                <a:latin typeface="Arial" panose="020B0604020202020204" pitchFamily="34" charset="0"/>
+                <a:cs typeface="Arial" panose="020B0604020202020204" pitchFamily="34" charset="0"/>
+              </a:rPr>
+              <a:t/>
+            </a:r>
+            <a:br>
+              <a:rPr lang="en-US" sz="2000" dirty="0">
+                <a:solidFill>
+                  <a:schemeClr val="accent4">
+                    <a:lumMod val="75000"/>
+                  </a:schemeClr>
+                </a:solidFill>
+                <a:latin typeface="Arial" panose="020B0604020202020204" pitchFamily="34" charset="0"/>
+                <a:cs typeface="Arial" panose="020B0604020202020204" pitchFamily="34" charset="0"/>
+              </a:rPr>
+            </a:br>
+            <a:r>
+              <a:rPr lang="en-US" sz="2000" dirty="0">
+                <a:solidFill>
+                  <a:schemeClr val="accent4">
+                    <a:lumMod val="75000"/>
+                  </a:schemeClr>
+                </a:solidFill>
+                <a:latin typeface="Arial" panose="020B0604020202020204" pitchFamily="34" charset="0"/>
+                <a:cs typeface="Arial" panose="020B0604020202020204" pitchFamily="34" charset="0"/>
+              </a:rPr>
+              <a:t>Team size - 7 </a:t>
+            </a:r>
+            <a:endParaRPr lang="en-US" sz="2000" dirty="0" smtClean="0">
+              <a:solidFill>
+                <a:schemeClr val="accent4">
+                  <a:lumMod val="75000"/>
+                </a:schemeClr>
+              </a:solidFill>
+              <a:latin typeface="Arial" panose="020B0604020202020204" pitchFamily="34" charset="0"/>
+              <a:cs typeface="Arial" panose="020B0604020202020204" pitchFamily="34" charset="0"/>
+            </a:endParaRPr>
+          </a:p>
+          <a:p>
+            <a:r>
+              <a:rPr lang="en-US" sz="2000" dirty="0" smtClean="0">
+                <a:solidFill>
+                  <a:schemeClr val="accent4">
+                    <a:lumMod val="75000"/>
+                  </a:schemeClr>
+                </a:solidFill>
+                <a:latin typeface="Arial" panose="020B0604020202020204" pitchFamily="34" charset="0"/>
+                <a:cs typeface="Arial" panose="020B0604020202020204" pitchFamily="34" charset="0"/>
+              </a:rPr>
+              <a:t>4 </a:t>
+            </a:r>
+            <a:r>
+              <a:rPr lang="en-US" sz="2000" dirty="0">
+                <a:solidFill>
+                  <a:schemeClr val="accent4">
+                    <a:lumMod val="75000"/>
+                  </a:schemeClr>
+                </a:solidFill>
+                <a:latin typeface="Arial" panose="020B0604020202020204" pitchFamily="34" charset="0"/>
+                <a:cs typeface="Arial" panose="020B0604020202020204" pitchFamily="34" charset="0"/>
+              </a:rPr>
+              <a:t>Sprint capacity = 4*84= 336 points</a:t>
+            </a:r>
+            <a:endParaRPr lang="en-US" sz="2000" dirty="0">
+              <a:solidFill>
+                <a:schemeClr val="accent4">
+                  <a:lumMod val="75000"/>
+                </a:schemeClr>
+              </a:solidFill>
+              <a:latin typeface="Arial" panose="020B0604020202020204" pitchFamily="34" charset="0"/>
+              <a:cs typeface="Arial" panose="020B0604020202020204" pitchFamily="34" charset="0"/>
+            </a:endParaRPr>
+          </a:p>
+          <a:p>
+            <a:endParaRPr lang="en-US" sz="2000" dirty="0">
+              <a:solidFill>
+                <a:schemeClr val="accent4">
+                  <a:lumMod val="75000"/>
+                </a:schemeClr>
+              </a:solidFill>
+              <a:latin typeface="Arial" panose="020B0604020202020204" pitchFamily="34" charset="0"/>
+              <a:cs typeface="Arial" panose="020B0604020202020204" pitchFamily="34" charset="0"/>
+            </a:endParaRPr>
           </a:p>
         </p:txBody>
       </p:sp>
@@ -7126,6 +7323,673 @@
 </file>
 
 <file path=ppt/slides/slide4.xml><?xml version="1.0" encoding="utf-8"?>
+<p:sld xmlns:a="http://schemas.openxmlformats.org/drawingml/2006/main" xmlns:r="http://schemas.openxmlformats.org/officeDocument/2006/relationships" xmlns:p="http://schemas.openxmlformats.org/presentationml/2006/main">
+  <p:cSld>
+    <p:spTree>
+      <p:nvGrpSpPr>
+        <p:cNvPr id="1" name=""/>
+        <p:cNvGrpSpPr/>
+        <p:nvPr/>
+      </p:nvGrpSpPr>
+      <p:grpSpPr>
+        <a:xfrm>
+          <a:off x="0" y="0"/>
+          <a:ext cx="0" cy="0"/>
+          <a:chOff x="0" y="0"/>
+          <a:chExt cx="0" cy="0"/>
+        </a:xfrm>
+      </p:grpSpPr>
+      <p:sp>
+        <p:nvSpPr>
+          <p:cNvPr id="2" name="Title 1"/>
+          <p:cNvSpPr>
+            <a:spLocks noGrp="1"/>
+          </p:cNvSpPr>
+          <p:nvPr>
+            <p:ph type="title"/>
+          </p:nvPr>
+        </p:nvSpPr>
+        <p:spPr/>
+        <p:txBody>
+          <a:bodyPr>
+            <a:normAutofit fontScale="90000"/>
+          </a:bodyPr>
+          <a:lstStyle/>
+          <a:p>
+            <a:r>
+              <a:rPr lang="en-US" b="1" dirty="0">
+                <a:solidFill>
+                  <a:schemeClr val="accent4">
+                    <a:lumMod val="75000"/>
+                  </a:schemeClr>
+                </a:solidFill>
+              </a:rPr>
+              <a:t>External consultant feedback</a:t>
+            </a:r>
+            <a:r>
+              <a:rPr lang="en-US" dirty="0"/>
+              <a:t>	</a:t>
+            </a:r>
+            <a:br>
+              <a:rPr lang="en-US" dirty="0"/>
+            </a:br>
+            <a:endParaRPr lang="en-US" dirty="0"/>
+          </a:p>
+        </p:txBody>
+      </p:sp>
+      <p:sp>
+        <p:nvSpPr>
+          <p:cNvPr id="3" name="Content Placeholder 2"/>
+          <p:cNvSpPr>
+            <a:spLocks noGrp="1"/>
+          </p:cNvSpPr>
+          <p:nvPr>
+            <p:ph idx="1"/>
+          </p:nvPr>
+        </p:nvSpPr>
+        <p:spPr/>
+        <p:txBody>
+          <a:bodyPr>
+            <a:normAutofit fontScale="47500" lnSpcReduction="20000"/>
+          </a:bodyPr>
+          <a:lstStyle/>
+          <a:p>
+            <a:pPr marL="0" indent="0">
+              <a:buNone/>
+            </a:pPr>
+            <a:r>
+              <a:rPr lang="en-US" dirty="0" smtClean="0">
+                <a:solidFill>
+                  <a:schemeClr val="accent4">
+                    <a:lumMod val="75000"/>
+                  </a:schemeClr>
+                </a:solidFill>
+                <a:latin typeface="Arial" panose="020B0604020202020204" pitchFamily="34" charset="0"/>
+                <a:cs typeface="Arial" panose="020B0604020202020204" pitchFamily="34" charset="0"/>
+              </a:rPr>
+              <a:t>1 Sprint </a:t>
+            </a:r>
+            <a:r>
+              <a:rPr lang="en-US" dirty="0">
+                <a:solidFill>
+                  <a:schemeClr val="accent4">
+                    <a:lumMod val="75000"/>
+                  </a:schemeClr>
+                </a:solidFill>
+                <a:latin typeface="Arial" panose="020B0604020202020204" pitchFamily="34" charset="0"/>
+                <a:cs typeface="Arial" panose="020B0604020202020204" pitchFamily="34" charset="0"/>
+              </a:rPr>
+              <a:t>ceremony that needs attention would be retrospective  needs some more focus </a:t>
+            </a:r>
+          </a:p>
+          <a:p>
+            <a:pPr marL="0" indent="0">
+              <a:buNone/>
+            </a:pPr>
+            <a:r>
+              <a:rPr lang="en-US" dirty="0" smtClean="0">
+                <a:solidFill>
+                  <a:schemeClr val="accent4">
+                    <a:lumMod val="75000"/>
+                  </a:schemeClr>
+                </a:solidFill>
+                <a:latin typeface="Arial" panose="020B0604020202020204" pitchFamily="34" charset="0"/>
+                <a:cs typeface="Arial" panose="020B0604020202020204" pitchFamily="34" charset="0"/>
+              </a:rPr>
+              <a:t>2 Our </a:t>
+            </a:r>
+            <a:r>
+              <a:rPr lang="en-US" dirty="0">
+                <a:solidFill>
+                  <a:schemeClr val="accent4">
+                    <a:lumMod val="75000"/>
+                  </a:schemeClr>
+                </a:solidFill>
+                <a:latin typeface="Arial" panose="020B0604020202020204" pitchFamily="34" charset="0"/>
+                <a:cs typeface="Arial" panose="020B0604020202020204" pitchFamily="34" charset="0"/>
+              </a:rPr>
+              <a:t>advise to new Scrum Master would be as below </a:t>
+            </a:r>
+            <a:endParaRPr lang="en-US" dirty="0" smtClean="0">
+              <a:solidFill>
+                <a:schemeClr val="accent4">
+                  <a:lumMod val="75000"/>
+                </a:schemeClr>
+              </a:solidFill>
+              <a:latin typeface="Arial" panose="020B0604020202020204" pitchFamily="34" charset="0"/>
+              <a:cs typeface="Arial" panose="020B0604020202020204" pitchFamily="34" charset="0"/>
+            </a:endParaRPr>
+          </a:p>
+          <a:p>
+            <a:pPr marL="0" indent="0">
+              <a:buNone/>
+            </a:pPr>
+            <a:r>
+              <a:rPr lang="en-US" dirty="0" err="1" smtClean="0">
+                <a:solidFill>
+                  <a:schemeClr val="accent4">
+                    <a:lumMod val="75000"/>
+                  </a:schemeClr>
+                </a:solidFill>
+                <a:latin typeface="Arial" panose="020B0604020202020204" pitchFamily="34" charset="0"/>
+                <a:cs typeface="Arial" panose="020B0604020202020204" pitchFamily="34" charset="0"/>
+              </a:rPr>
+              <a:t>i</a:t>
+            </a:r>
+            <a:r>
+              <a:rPr lang="en-US" dirty="0">
+                <a:solidFill>
+                  <a:schemeClr val="accent4">
+                    <a:lumMod val="75000"/>
+                  </a:schemeClr>
+                </a:solidFill>
+                <a:latin typeface="Arial" panose="020B0604020202020204" pitchFamily="34" charset="0"/>
+                <a:cs typeface="Arial" panose="020B0604020202020204" pitchFamily="34" charset="0"/>
+              </a:rPr>
+              <a:t>) Educate the team on retrospective ceremony and its components.  </a:t>
+            </a:r>
+            <a:endParaRPr lang="en-US" dirty="0" smtClean="0">
+              <a:solidFill>
+                <a:schemeClr val="accent4">
+                  <a:lumMod val="75000"/>
+                </a:schemeClr>
+              </a:solidFill>
+              <a:latin typeface="Arial" panose="020B0604020202020204" pitchFamily="34" charset="0"/>
+              <a:cs typeface="Arial" panose="020B0604020202020204" pitchFamily="34" charset="0"/>
+            </a:endParaRPr>
+          </a:p>
+          <a:p>
+            <a:pPr marL="0" indent="0">
+              <a:buNone/>
+            </a:pPr>
+            <a:r>
+              <a:rPr lang="en-US" dirty="0" smtClean="0">
+                <a:solidFill>
+                  <a:schemeClr val="accent4">
+                    <a:lumMod val="75000"/>
+                  </a:schemeClr>
+                </a:solidFill>
+                <a:latin typeface="Arial" panose="020B0604020202020204" pitchFamily="34" charset="0"/>
+                <a:cs typeface="Arial" panose="020B0604020202020204" pitchFamily="34" charset="0"/>
+              </a:rPr>
+              <a:t>It’s </a:t>
+            </a:r>
+            <a:r>
+              <a:rPr lang="en-US" dirty="0">
+                <a:solidFill>
+                  <a:schemeClr val="accent4">
+                    <a:lumMod val="75000"/>
+                  </a:schemeClr>
+                </a:solidFill>
+                <a:latin typeface="Arial" panose="020B0604020202020204" pitchFamily="34" charset="0"/>
+                <a:cs typeface="Arial" panose="020B0604020202020204" pitchFamily="34" charset="0"/>
+              </a:rPr>
+              <a:t>equally important to discuss below 3 points.  </a:t>
+            </a:r>
+            <a:endParaRPr lang="en-US" dirty="0" smtClean="0">
+              <a:solidFill>
+                <a:schemeClr val="accent4">
+                  <a:lumMod val="75000"/>
+                </a:schemeClr>
+              </a:solidFill>
+              <a:latin typeface="Arial" panose="020B0604020202020204" pitchFamily="34" charset="0"/>
+              <a:cs typeface="Arial" panose="020B0604020202020204" pitchFamily="34" charset="0"/>
+            </a:endParaRPr>
+          </a:p>
+          <a:p>
+            <a:pPr marL="0" indent="0">
+              <a:buNone/>
+            </a:pPr>
+            <a:r>
+              <a:rPr lang="en-US" dirty="0" smtClean="0">
+                <a:solidFill>
+                  <a:schemeClr val="accent4">
+                    <a:lumMod val="75000"/>
+                  </a:schemeClr>
+                </a:solidFill>
+                <a:latin typeface="Arial" panose="020B0604020202020204" pitchFamily="34" charset="0"/>
+                <a:cs typeface="Arial" panose="020B0604020202020204" pitchFamily="34" charset="0"/>
+              </a:rPr>
+              <a:t> </a:t>
+            </a:r>
+            <a:r>
+              <a:rPr lang="en-US" dirty="0">
+                <a:solidFill>
+                  <a:schemeClr val="accent4">
+                    <a:lumMod val="75000"/>
+                  </a:schemeClr>
+                </a:solidFill>
+                <a:latin typeface="Arial" panose="020B0604020202020204" pitchFamily="34" charset="0"/>
+                <a:cs typeface="Arial" panose="020B0604020202020204" pitchFamily="34" charset="0"/>
+              </a:rPr>
+              <a:t>a) Start doing  </a:t>
+            </a:r>
+            <a:endParaRPr lang="en-US" dirty="0" smtClean="0">
+              <a:solidFill>
+                <a:schemeClr val="accent4">
+                  <a:lumMod val="75000"/>
+                </a:schemeClr>
+              </a:solidFill>
+              <a:latin typeface="Arial" panose="020B0604020202020204" pitchFamily="34" charset="0"/>
+              <a:cs typeface="Arial" panose="020B0604020202020204" pitchFamily="34" charset="0"/>
+            </a:endParaRPr>
+          </a:p>
+          <a:p>
+            <a:pPr marL="0" indent="0">
+              <a:buNone/>
+            </a:pPr>
+            <a:r>
+              <a:rPr lang="en-US" dirty="0" smtClean="0">
+                <a:solidFill>
+                  <a:schemeClr val="accent4">
+                    <a:lumMod val="75000"/>
+                  </a:schemeClr>
+                </a:solidFill>
+                <a:latin typeface="Arial" panose="020B0604020202020204" pitchFamily="34" charset="0"/>
+                <a:cs typeface="Arial" panose="020B0604020202020204" pitchFamily="34" charset="0"/>
+              </a:rPr>
+              <a:t>  </a:t>
+            </a:r>
+            <a:r>
+              <a:rPr lang="en-US" dirty="0">
+                <a:solidFill>
+                  <a:schemeClr val="accent4">
+                    <a:lumMod val="75000"/>
+                  </a:schemeClr>
+                </a:solidFill>
+                <a:latin typeface="Arial" panose="020B0604020202020204" pitchFamily="34" charset="0"/>
+                <a:cs typeface="Arial" panose="020B0604020202020204" pitchFamily="34" charset="0"/>
+              </a:rPr>
+              <a:t>b) Stop doing  </a:t>
+            </a:r>
+            <a:endParaRPr lang="en-US" dirty="0" smtClean="0">
+              <a:solidFill>
+                <a:schemeClr val="accent4">
+                  <a:lumMod val="75000"/>
+                </a:schemeClr>
+              </a:solidFill>
+              <a:latin typeface="Arial" panose="020B0604020202020204" pitchFamily="34" charset="0"/>
+              <a:cs typeface="Arial" panose="020B0604020202020204" pitchFamily="34" charset="0"/>
+            </a:endParaRPr>
+          </a:p>
+          <a:p>
+            <a:pPr marL="0" indent="0">
+              <a:buNone/>
+            </a:pPr>
+            <a:r>
+              <a:rPr lang="en-US" dirty="0" smtClean="0">
+                <a:solidFill>
+                  <a:schemeClr val="accent4">
+                    <a:lumMod val="75000"/>
+                  </a:schemeClr>
+                </a:solidFill>
+                <a:latin typeface="Arial" panose="020B0604020202020204" pitchFamily="34" charset="0"/>
+                <a:cs typeface="Arial" panose="020B0604020202020204" pitchFamily="34" charset="0"/>
+              </a:rPr>
+              <a:t>  </a:t>
+            </a:r>
+            <a:r>
+              <a:rPr lang="en-US" dirty="0">
+                <a:solidFill>
+                  <a:schemeClr val="accent4">
+                    <a:lumMod val="75000"/>
+                  </a:schemeClr>
+                </a:solidFill>
+                <a:latin typeface="Arial" panose="020B0604020202020204" pitchFamily="34" charset="0"/>
+                <a:cs typeface="Arial" panose="020B0604020202020204" pitchFamily="34" charset="0"/>
+              </a:rPr>
+              <a:t>c) Continue </a:t>
+            </a:r>
+            <a:r>
+              <a:rPr lang="en-US" dirty="0" smtClean="0">
+                <a:solidFill>
+                  <a:schemeClr val="accent4">
+                    <a:lumMod val="75000"/>
+                  </a:schemeClr>
+                </a:solidFill>
+                <a:latin typeface="Arial" panose="020B0604020202020204" pitchFamily="34" charset="0"/>
+                <a:cs typeface="Arial" panose="020B0604020202020204" pitchFamily="34" charset="0"/>
+              </a:rPr>
+              <a:t>doing</a:t>
+            </a:r>
+          </a:p>
+          <a:p>
+            <a:pPr marL="0" indent="0">
+              <a:buNone/>
+            </a:pPr>
+            <a:r>
+              <a:rPr lang="en-US" dirty="0" smtClean="0">
+                <a:solidFill>
+                  <a:schemeClr val="accent4">
+                    <a:lumMod val="75000"/>
+                  </a:schemeClr>
+                </a:solidFill>
+                <a:latin typeface="Arial" panose="020B0604020202020204" pitchFamily="34" charset="0"/>
+                <a:cs typeface="Arial" panose="020B0604020202020204" pitchFamily="34" charset="0"/>
+              </a:rPr>
+              <a:t>ii</a:t>
+            </a:r>
+            <a:r>
+              <a:rPr lang="en-US" dirty="0">
+                <a:solidFill>
+                  <a:schemeClr val="accent4">
+                    <a:lumMod val="75000"/>
+                  </a:schemeClr>
+                </a:solidFill>
+                <a:latin typeface="Arial" panose="020B0604020202020204" pitchFamily="34" charset="0"/>
+                <a:cs typeface="Arial" panose="020B0604020202020204" pitchFamily="34" charset="0"/>
+              </a:rPr>
+              <a:t>) Scrum master should inform the team in advance </a:t>
+            </a:r>
+            <a:r>
+              <a:rPr lang="en-US" dirty="0" smtClean="0">
+                <a:solidFill>
+                  <a:schemeClr val="accent4">
+                    <a:lumMod val="75000"/>
+                  </a:schemeClr>
+                </a:solidFill>
+                <a:latin typeface="Arial" panose="020B0604020202020204" pitchFamily="34" charset="0"/>
+                <a:cs typeface="Arial" panose="020B0604020202020204" pitchFamily="34" charset="0"/>
+              </a:rPr>
+              <a:t>that </a:t>
+            </a:r>
+            <a:r>
+              <a:rPr lang="en-US" dirty="0">
+                <a:solidFill>
+                  <a:schemeClr val="accent4">
+                    <a:lumMod val="75000"/>
+                  </a:schemeClr>
+                </a:solidFill>
+                <a:latin typeface="Arial" panose="020B0604020202020204" pitchFamily="34" charset="0"/>
+                <a:cs typeface="Arial" panose="020B0604020202020204" pitchFamily="34" charset="0"/>
+              </a:rPr>
+              <a:t>retrospective board is ready so that they can prepare their points in </a:t>
+            </a:r>
+            <a:r>
+              <a:rPr lang="en-US" dirty="0" smtClean="0">
+                <a:solidFill>
+                  <a:schemeClr val="accent4">
+                    <a:lumMod val="75000"/>
+                  </a:schemeClr>
+                </a:solidFill>
+                <a:latin typeface="Arial" panose="020B0604020202020204" pitchFamily="34" charset="0"/>
+                <a:cs typeface="Arial" panose="020B0604020202020204" pitchFamily="34" charset="0"/>
+              </a:rPr>
+              <a:t>advance</a:t>
+            </a:r>
+          </a:p>
+          <a:p>
+            <a:pPr marL="0" indent="0">
+              <a:buNone/>
+            </a:pPr>
+            <a:r>
+              <a:rPr lang="en-US" dirty="0" smtClean="0">
+                <a:solidFill>
+                  <a:schemeClr val="accent4">
+                    <a:lumMod val="75000"/>
+                  </a:schemeClr>
+                </a:solidFill>
+                <a:latin typeface="Arial" panose="020B0604020202020204" pitchFamily="34" charset="0"/>
+                <a:cs typeface="Arial" panose="020B0604020202020204" pitchFamily="34" charset="0"/>
+              </a:rPr>
+              <a:t>iii</a:t>
+            </a:r>
+            <a:r>
+              <a:rPr lang="en-US" dirty="0">
+                <a:solidFill>
+                  <a:schemeClr val="accent4">
+                    <a:lumMod val="75000"/>
+                  </a:schemeClr>
+                </a:solidFill>
+                <a:latin typeface="Arial" panose="020B0604020202020204" pitchFamily="34" charset="0"/>
+                <a:cs typeface="Arial" panose="020B0604020202020204" pitchFamily="34" charset="0"/>
+              </a:rPr>
+              <a:t>) Scrum master has to ensure backlog is ready and should inform </a:t>
+            </a:r>
+            <a:r>
+              <a:rPr lang="en-US" dirty="0" smtClean="0">
+                <a:solidFill>
+                  <a:schemeClr val="accent4">
+                    <a:lumMod val="75000"/>
+                  </a:schemeClr>
+                </a:solidFill>
+                <a:latin typeface="Arial" panose="020B0604020202020204" pitchFamily="34" charset="0"/>
+                <a:cs typeface="Arial" panose="020B0604020202020204" pitchFamily="34" charset="0"/>
+              </a:rPr>
+              <a:t>team </a:t>
+            </a:r>
+            <a:r>
+              <a:rPr lang="en-US" dirty="0">
+                <a:solidFill>
+                  <a:schemeClr val="accent4">
+                    <a:lumMod val="75000"/>
+                  </a:schemeClr>
+                </a:solidFill>
+                <a:latin typeface="Arial" panose="020B0604020202020204" pitchFamily="34" charset="0"/>
+                <a:cs typeface="Arial" panose="020B0604020202020204" pitchFamily="34" charset="0"/>
+              </a:rPr>
+              <a:t>members in advance to have a look. (Sprint planning</a:t>
+            </a:r>
+            <a:r>
+              <a:rPr lang="en-US" dirty="0" smtClean="0">
+                <a:solidFill>
+                  <a:schemeClr val="accent4">
+                    <a:lumMod val="75000"/>
+                  </a:schemeClr>
+                </a:solidFill>
+                <a:latin typeface="Arial" panose="020B0604020202020204" pitchFamily="34" charset="0"/>
+                <a:cs typeface="Arial" panose="020B0604020202020204" pitchFamily="34" charset="0"/>
+              </a:rPr>
+              <a:t>)</a:t>
+            </a:r>
+            <a:endParaRPr lang="en-US" dirty="0">
+              <a:solidFill>
+                <a:schemeClr val="accent4">
+                  <a:lumMod val="75000"/>
+                </a:schemeClr>
+              </a:solidFill>
+              <a:latin typeface="Arial" panose="020B0604020202020204" pitchFamily="34" charset="0"/>
+              <a:cs typeface="Arial" panose="020B0604020202020204" pitchFamily="34" charset="0"/>
+            </a:endParaRPr>
+          </a:p>
+          <a:p>
+            <a:pPr marL="0" indent="0">
+              <a:buNone/>
+            </a:pPr>
+            <a:r>
+              <a:rPr lang="en-US" dirty="0" smtClean="0">
+                <a:solidFill>
+                  <a:schemeClr val="accent4">
+                    <a:lumMod val="75000"/>
+                  </a:schemeClr>
+                </a:solidFill>
+                <a:latin typeface="Arial" panose="020B0604020202020204" pitchFamily="34" charset="0"/>
+                <a:cs typeface="Arial" panose="020B0604020202020204" pitchFamily="34" charset="0"/>
+              </a:rPr>
+              <a:t>3 Our </a:t>
+            </a:r>
+            <a:r>
+              <a:rPr lang="en-US" dirty="0">
+                <a:solidFill>
+                  <a:schemeClr val="accent4">
+                    <a:lumMod val="75000"/>
+                  </a:schemeClr>
+                </a:solidFill>
+                <a:latin typeface="Arial" panose="020B0604020202020204" pitchFamily="34" charset="0"/>
+                <a:cs typeface="Arial" panose="020B0604020202020204" pitchFamily="34" charset="0"/>
+              </a:rPr>
+              <a:t>advise to the Product Owner would be as below  </a:t>
+            </a:r>
+            <a:r>
+              <a:rPr lang="en-US" dirty="0" err="1">
+                <a:solidFill>
+                  <a:schemeClr val="accent4">
+                    <a:lumMod val="75000"/>
+                  </a:schemeClr>
+                </a:solidFill>
+                <a:latin typeface="Arial" panose="020B0604020202020204" pitchFamily="34" charset="0"/>
+                <a:cs typeface="Arial" panose="020B0604020202020204" pitchFamily="34" charset="0"/>
+              </a:rPr>
+              <a:t>i</a:t>
+            </a:r>
+            <a:r>
+              <a:rPr lang="en-US" dirty="0">
+                <a:solidFill>
+                  <a:schemeClr val="accent4">
+                    <a:lumMod val="75000"/>
+                  </a:schemeClr>
+                </a:solidFill>
+                <a:latin typeface="Arial" panose="020B0604020202020204" pitchFamily="34" charset="0"/>
+                <a:cs typeface="Arial" panose="020B0604020202020204" pitchFamily="34" charset="0"/>
+              </a:rPr>
+              <a:t>) Ensure to have prioritized product backlog items. Also there should   </a:t>
+            </a:r>
+            <a:r>
+              <a:rPr lang="en-US" dirty="0" smtClean="0">
+                <a:solidFill>
+                  <a:schemeClr val="accent4">
+                    <a:lumMod val="75000"/>
+                  </a:schemeClr>
+                </a:solidFill>
+                <a:latin typeface="Arial" panose="020B0604020202020204" pitchFamily="34" charset="0"/>
+                <a:cs typeface="Arial" panose="020B0604020202020204" pitchFamily="34" charset="0"/>
+              </a:rPr>
+              <a:t>be "</a:t>
+            </a:r>
+            <a:r>
+              <a:rPr lang="en-US" dirty="0">
+                <a:solidFill>
+                  <a:schemeClr val="accent4">
+                    <a:lumMod val="75000"/>
+                  </a:schemeClr>
+                </a:solidFill>
+                <a:latin typeface="Arial" panose="020B0604020202020204" pitchFamily="34" charset="0"/>
+                <a:cs typeface="Arial" panose="020B0604020202020204" pitchFamily="34" charset="0"/>
+              </a:rPr>
+              <a:t>definition of done</a:t>
+            </a:r>
+            <a:r>
+              <a:rPr lang="en-US" dirty="0" smtClean="0">
+                <a:solidFill>
+                  <a:schemeClr val="accent4">
+                    <a:lumMod val="75000"/>
+                  </a:schemeClr>
+                </a:solidFill>
+                <a:latin typeface="Arial" panose="020B0604020202020204" pitchFamily="34" charset="0"/>
+                <a:cs typeface="Arial" panose="020B0604020202020204" pitchFamily="34" charset="0"/>
+              </a:rPr>
+              <a:t>" </a:t>
+            </a:r>
+            <a:r>
+              <a:rPr lang="en-US" dirty="0">
+                <a:solidFill>
+                  <a:schemeClr val="accent4">
+                    <a:lumMod val="75000"/>
+                  </a:schemeClr>
+                </a:solidFill>
+                <a:latin typeface="Arial" panose="020B0604020202020204" pitchFamily="34" charset="0"/>
+                <a:cs typeface="Arial" panose="020B0604020202020204" pitchFamily="34" charset="0"/>
+              </a:rPr>
+              <a:t>and acceptance criteria for each user story ii) Ensure that user story contains the correct information and in a   clear way so that everyone can easily understand the requirement."</a:t>
+            </a:r>
+          </a:p>
+          <a:p>
+            <a:pPr marL="0" indent="0">
+              <a:buNone/>
+            </a:pPr>
+            <a:r>
+              <a:rPr lang="en-US" dirty="0" smtClean="0">
+                <a:solidFill>
+                  <a:schemeClr val="accent4">
+                    <a:lumMod val="75000"/>
+                  </a:schemeClr>
+                </a:solidFill>
+                <a:latin typeface="Arial" panose="020B0604020202020204" pitchFamily="34" charset="0"/>
+                <a:cs typeface="Arial" panose="020B0604020202020204" pitchFamily="34" charset="0"/>
+              </a:rPr>
+              <a:t>4 Advise </a:t>
+            </a:r>
+            <a:r>
+              <a:rPr lang="en-US" dirty="0">
+                <a:solidFill>
+                  <a:schemeClr val="accent4">
+                    <a:lumMod val="75000"/>
+                  </a:schemeClr>
+                </a:solidFill>
+                <a:latin typeface="Arial" panose="020B0604020202020204" pitchFamily="34" charset="0"/>
+                <a:cs typeface="Arial" panose="020B0604020202020204" pitchFamily="34" charset="0"/>
+              </a:rPr>
+              <a:t>to the Development Team would be like  </a:t>
+            </a:r>
+            <a:r>
+              <a:rPr lang="en-US" dirty="0" smtClean="0">
+                <a:solidFill>
+                  <a:schemeClr val="accent4">
+                    <a:lumMod val="75000"/>
+                  </a:schemeClr>
+                </a:solidFill>
+                <a:latin typeface="Arial" panose="020B0604020202020204" pitchFamily="34" charset="0"/>
+                <a:cs typeface="Arial" panose="020B0604020202020204" pitchFamily="34" charset="0"/>
+              </a:rPr>
+              <a:t>be </a:t>
+            </a:r>
+            <a:r>
+              <a:rPr lang="en-US" dirty="0">
+                <a:solidFill>
+                  <a:schemeClr val="accent4">
+                    <a:lumMod val="75000"/>
+                  </a:schemeClr>
+                </a:solidFill>
+                <a:latin typeface="Arial" panose="020B0604020202020204" pitchFamily="34" charset="0"/>
+                <a:cs typeface="Arial" panose="020B0604020202020204" pitchFamily="34" charset="0"/>
+              </a:rPr>
+              <a:t>confident and share your views about sprint ceremonies and tell them as it’s a safe place to talk</a:t>
+            </a:r>
+            <a:r>
+              <a:rPr lang="en-US" dirty="0" smtClean="0">
+                <a:solidFill>
+                  <a:schemeClr val="accent4">
+                    <a:lumMod val="75000"/>
+                  </a:schemeClr>
+                </a:solidFill>
+                <a:latin typeface="Arial" panose="020B0604020202020204" pitchFamily="34" charset="0"/>
+                <a:cs typeface="Arial" panose="020B0604020202020204" pitchFamily="34" charset="0"/>
+              </a:rPr>
+              <a:t>.</a:t>
+            </a:r>
+            <a:endParaRPr lang="en-US" dirty="0">
+              <a:solidFill>
+                <a:schemeClr val="accent4">
+                  <a:lumMod val="75000"/>
+                </a:schemeClr>
+              </a:solidFill>
+              <a:latin typeface="Arial" panose="020B0604020202020204" pitchFamily="34" charset="0"/>
+              <a:cs typeface="Arial" panose="020B0604020202020204" pitchFamily="34" charset="0"/>
+            </a:endParaRPr>
+          </a:p>
+        </p:txBody>
+      </p:sp>
+    </p:spTree>
+    <p:extLst>
+      <p:ext uri="{BB962C8B-B14F-4D97-AF65-F5344CB8AC3E}">
+        <p14:creationId xmlns:p14="http://schemas.microsoft.com/office/powerpoint/2010/main" val="4020599499"/>
+      </p:ext>
+    </p:extLst>
+  </p:cSld>
+  <p:clrMapOvr>
+    <a:masterClrMapping/>
+  </p:clrMapOvr>
+  <p:timing>
+    <p:tnLst>
+      <p:par>
+        <p:cTn id="1" dur="indefinite" restart="never" nodeType="tmRoot"/>
+      </p:par>
+    </p:tnLst>
+  </p:timing>
+</p:sld>
+</file>
+
+<file path=ppt/slides/slide5.xml><?xml version="1.0" encoding="utf-8"?>
 <p:sld xmlns:a="http://schemas.openxmlformats.org/drawingml/2006/main" xmlns:r="http://schemas.openxmlformats.org/officeDocument/2006/relationships" xmlns:p="http://schemas.openxmlformats.org/presentationml/2006/main">
   <p:cSld>
     <p:spTree>
@@ -7164,8 +8028,8 @@
         </p:blipFill>
         <p:spPr>
           <a:xfrm>
-            <a:off x="783769" y="870857"/>
-            <a:ext cx="10697031" cy="5254878"/>
+            <a:off x="933856" y="980432"/>
+            <a:ext cx="10196749" cy="5009116"/>
           </a:xfrm>
           <a:prstGeom prst="rect">
             <a:avLst/>
